--- a/presentations/4-Spring_Boot_Profiles_Actuator.pptx
+++ b/presentations/4-Spring_Boot_Profiles_Actuator.pptx
@@ -282,12 +282,12 @@
         </c:dLbls>
         <c:gapWidth val="150"/>
         <c:shape val="box"/>
-        <c:axId val="-2080485896"/>
-        <c:axId val="-2007236936"/>
+        <c:axId val="-2019684072"/>
+        <c:axId val="-2079200936"/>
         <c:axId val="0"/>
       </c:bar3DChart>
       <c:dateAx>
-        <c:axId val="-2080485896"/>
+        <c:axId val="-2019684072"/>
         <c:scaling>
           <c:orientation val="minMax"/>
         </c:scaling>
@@ -297,14 +297,14 @@
         <c:majorTickMark val="out"/>
         <c:minorTickMark val="none"/>
         <c:tickLblPos val="nextTo"/>
-        <c:crossAx val="-2007236936"/>
+        <c:crossAx val="-2079200936"/>
         <c:crosses val="autoZero"/>
         <c:auto val="1"/>
         <c:lblOffset val="100"/>
         <c:baseTimeUnit val="months"/>
       </c:dateAx>
       <c:valAx>
-        <c:axId val="-2007236936"/>
+        <c:axId val="-2079200936"/>
         <c:scaling>
           <c:orientation val="minMax"/>
         </c:scaling>
@@ -315,7 +315,7 @@
         <c:majorTickMark val="out"/>
         <c:minorTickMark val="none"/>
         <c:tickLblPos val="nextTo"/>
-        <c:crossAx val="-2080485896"/>
+        <c:crossAx val="-2019684072"/>
         <c:crosses val="autoZero"/>
         <c:crossBetween val="between"/>
       </c:valAx>
@@ -5127,7 +5127,7 @@
           <a:p>
             <a:fld id="{7B47E9F9-6557-4923-BE10-1C342566E3EE}" type="datetimeFigureOut">
               <a:rPr lang="en-US" smtClean="0"/>
-              <a:t>10/17/16</a:t>
+              <a:t>5/24/17</a:t>
             </a:fld>
             <a:endParaRPr lang="en-US"/>
           </a:p>
@@ -12985,36 +12985,6 @@
           </a:p>
         </p:txBody>
       </p:sp>
-      <p:pic>
-        <p:nvPicPr>
-          <p:cNvPr id="8" name="Picture 7" descr="pivotal_white.png"/>
-          <p:cNvPicPr>
-            <a:picLocks noChangeAspect="1"/>
-          </p:cNvPicPr>
-          <p:nvPr/>
-        </p:nvPicPr>
-        <p:blipFill>
-          <a:blip r:embed="rId4">
-            <a:extLst>
-              <a:ext uri="{28A0092B-C50C-407E-A947-70E740481C1C}">
-                <a14:useLocalDpi xmlns:a14="http://schemas.microsoft.com/office/drawing/2010/main" val="0"/>
-              </a:ext>
-            </a:extLst>
-          </a:blip>
-          <a:stretch>
-            <a:fillRect/>
-          </a:stretch>
-        </p:blipFill>
-        <p:spPr>
-          <a:xfrm>
-            <a:off x="753110" y="978442"/>
-            <a:ext cx="1368554" cy="336279"/>
-          </a:xfrm>
-          <a:prstGeom prst="rect">
-            <a:avLst/>
-          </a:prstGeom>
-        </p:spPr>
-      </p:pic>
       <p:sp>
         <p:nvSpPr>
           <p:cNvPr id="10" name="TextBox 9"/>
@@ -13057,25 +13027,8 @@
                 <a:latin typeface="Arial"/>
                 <a:cs typeface="Arial"/>
               </a:rPr>
-              <a:t>Cloud Native </a:t>
-            </a:r>
-            <a:r>
-              <a:rPr lang="en-US" sz="4800" dirty="0">
-                <a:solidFill>
-                  <a:srgbClr val="2C95DD"/>
-                </a:solidFill>
-                <a:latin typeface="Arial"/>
-                <a:cs typeface="Arial"/>
-              </a:rPr>
-              <a:t>Workshop</a:t>
-            </a:r>
-            <a:endParaRPr lang="en-US" sz="4800" dirty="0">
-              <a:solidFill>
-                <a:srgbClr val="2C95DD"/>
-              </a:solidFill>
-              <a:latin typeface="Arial"/>
-              <a:cs typeface="Arial"/>
-            </a:endParaRPr>
+              <a:t>Cloud Native Workshop</a:t>
+            </a:r>
           </a:p>
           <a:p>
             <a:pPr>
@@ -13102,51 +13055,6 @@
               </a:rPr>
               <a:t>Spring Boot and Actuator</a:t>
             </a:r>
-          </a:p>
-        </p:txBody>
-      </p:sp>
-      <p:sp>
-        <p:nvSpPr>
-          <p:cNvPr id="11" name="TextBox 10"/>
-          <p:cNvSpPr txBox="1"/>
-          <p:nvPr/>
-        </p:nvSpPr>
-        <p:spPr>
-          <a:xfrm>
-            <a:off x="623455" y="3461916"/>
-            <a:ext cx="7897090" cy="338554"/>
-          </a:xfrm>
-          <a:prstGeom prst="rect">
-            <a:avLst/>
-          </a:prstGeom>
-          <a:noFill/>
-        </p:spPr>
-        <p:txBody>
-          <a:bodyPr wrap="square" rtlCol="0">
-            <a:spAutoFit/>
-          </a:bodyPr>
-          <a:lstStyle/>
-          <a:p>
-            <a:pPr>
-              <a:spcAft>
-                <a:spcPts val="300"/>
-              </a:spcAft>
-            </a:pPr>
-            <a:r>
-              <a:rPr lang="en-US" sz="1600" dirty="0" smtClean="0">
-                <a:solidFill>
-                  <a:srgbClr val="FFFFFF"/>
-                </a:solidFill>
-                <a:cs typeface="Arial"/>
-              </a:rPr>
-              <a:t>Pivotal Cloud Foundry</a:t>
-            </a:r>
-            <a:endParaRPr lang="en-US" sz="1600" dirty="0">
-              <a:solidFill>
-                <a:srgbClr val="FFFFFF"/>
-              </a:solidFill>
-              <a:cs typeface="Arial"/>
-            </a:endParaRPr>
           </a:p>
         </p:txBody>
       </p:sp>
@@ -13159,12 +13067,12 @@
           <p:nvPr/>
         </p:nvPicPr>
         <p:blipFill>
-          <a:blip r:embed="rId5">
+          <a:blip r:embed="rId4">
             <a:lum bright="70000" contrast="-70000"/>
             <a:extLst>
               <a:ext uri="{BEBA8EAE-BF5A-486C-A8C5-ECC9F3942E4B}">
                 <a14:imgProps xmlns:a14="http://schemas.microsoft.com/office/drawing/2010/main">
-                  <a14:imgLayer r:embed="rId6">
+                  <a14:imgLayer r:embed="rId5">
                     <a14:imgEffect>
                       <a14:colorTemperature colorTemp="11500"/>
                     </a14:imgEffect>

--- a/presentations/4-Spring_Boot_Profiles_Actuator.pptx
+++ b/presentations/4-Spring_Boot_Profiles_Actuator.pptx
@@ -282,12 +282,12 @@
         </c:dLbls>
         <c:gapWidth val="150"/>
         <c:shape val="box"/>
-        <c:axId val="-2019684072"/>
-        <c:axId val="-2079200936"/>
+        <c:axId val="-2017421736"/>
+        <c:axId val="-1983360504"/>
         <c:axId val="0"/>
       </c:bar3DChart>
       <c:dateAx>
-        <c:axId val="-2019684072"/>
+        <c:axId val="-2017421736"/>
         <c:scaling>
           <c:orientation val="minMax"/>
         </c:scaling>
@@ -297,14 +297,14 @@
         <c:majorTickMark val="out"/>
         <c:minorTickMark val="none"/>
         <c:tickLblPos val="nextTo"/>
-        <c:crossAx val="-2079200936"/>
+        <c:crossAx val="-1983360504"/>
         <c:crosses val="autoZero"/>
         <c:auto val="1"/>
         <c:lblOffset val="100"/>
         <c:baseTimeUnit val="months"/>
       </c:dateAx>
       <c:valAx>
-        <c:axId val="-2079200936"/>
+        <c:axId val="-1983360504"/>
         <c:scaling>
           <c:orientation val="minMax"/>
         </c:scaling>
@@ -315,7 +315,7 @@
         <c:majorTickMark val="out"/>
         <c:minorTickMark val="none"/>
         <c:tickLblPos val="nextTo"/>
-        <c:crossAx val="-2019684072"/>
+        <c:crossAx val="-2017421736"/>
         <c:crosses val="autoZero"/>
         <c:crossBetween val="between"/>
       </c:valAx>
@@ -5127,7 +5127,7 @@
           <a:p>
             <a:fld id="{7B47E9F9-6557-4923-BE10-1C342566E3EE}" type="datetimeFigureOut">
               <a:rPr lang="en-US" smtClean="0"/>
-              <a:t>5/24/17</a:t>
+              <a:t>5/25/17</a:t>
             </a:fld>
             <a:endParaRPr lang="en-US"/>
           </a:p>
@@ -13095,6 +13095,30 @@
           <a:xfrm>
             <a:off x="8272780" y="4855076"/>
             <a:ext cx="731520" cy="171298"/>
+          </a:xfrm>
+          <a:prstGeom prst="rect">
+            <a:avLst/>
+          </a:prstGeom>
+        </p:spPr>
+      </p:pic>
+      <p:pic>
+        <p:nvPicPr>
+          <p:cNvPr id="6" name="Picture 5"/>
+          <p:cNvPicPr>
+            <a:picLocks noChangeAspect="1"/>
+          </p:cNvPicPr>
+          <p:nvPr/>
+        </p:nvPicPr>
+        <p:blipFill>
+          <a:blip r:embed="rId6"/>
+          <a:stretch>
+            <a:fillRect/>
+          </a:stretch>
+        </p:blipFill>
+        <p:spPr>
+          <a:xfrm>
+            <a:off x="192404" y="4689352"/>
+            <a:ext cx="1604131" cy="331448"/>
           </a:xfrm>
           <a:prstGeom prst="rect">
             <a:avLst/>
